--- a/Data Engineering 2.pptx
+++ b/Data Engineering 2.pptx
@@ -13,7 +13,9 @@
     <p:sldId id="306" r:id="rId10"/>
     <p:sldId id="305" r:id="rId11"/>
     <p:sldId id="309" r:id="rId12"/>
-    <p:sldId id="308" r:id="rId13"/>
+    <p:sldId id="312" r:id="rId13"/>
+    <p:sldId id="310" r:id="rId14"/>
+    <p:sldId id="311" r:id="rId15"/>
   </p:sldIdLst>
   <p:sldSz cx="12192000" cy="6858000"/>
   <p:notesSz cx="6858000" cy="9144000"/>
@@ -120,6 +122,212 @@
 </p:presentation>
 </file>
 
+<file path=ppt/changesInfos/changesInfo1.xml><?xml version="1.0" encoding="utf-8"?>
+<pc:chgInfo xmlns:a="http://schemas.openxmlformats.org/drawingml/2006/main" xmlns:r="http://schemas.openxmlformats.org/officeDocument/2006/relationships" xmlns:ac="http://schemas.microsoft.com/office/drawing/2013/main/command" xmlns:pc="http://schemas.microsoft.com/office/powerpoint/2013/main/command">
+  <pc:docChgLst>
+    <pc:chgData name="siddharth tapre" userId="b03a402c2cf46c4c" providerId="LiveId" clId="{0B946095-854B-4504-8D88-701390AEDB94}"/>
+    <pc:docChg chg="undo custSel addSld delSld modSld">
+      <pc:chgData name="siddharth tapre" userId="b03a402c2cf46c4c" providerId="LiveId" clId="{0B946095-854B-4504-8D88-701390AEDB94}" dt="2023-06-15T02:20:44.903" v="977" actId="14100"/>
+      <pc:docMkLst>
+        <pc:docMk/>
+      </pc:docMkLst>
+      <pc:sldChg chg="modSp mod">
+        <pc:chgData name="siddharth tapre" userId="b03a402c2cf46c4c" providerId="LiveId" clId="{0B946095-854B-4504-8D88-701390AEDB94}" dt="2023-06-15T02:12:12.325" v="881" actId="12"/>
+        <pc:sldMkLst>
+          <pc:docMk/>
+          <pc:sldMk cId="1889967886" sldId="305"/>
+        </pc:sldMkLst>
+        <pc:spChg chg="mod">
+          <ac:chgData name="siddharth tapre" userId="b03a402c2cf46c4c" providerId="LiveId" clId="{0B946095-854B-4504-8D88-701390AEDB94}" dt="2023-06-15T02:11:53.358" v="874" actId="20577"/>
+          <ac:spMkLst>
+            <pc:docMk/>
+            <pc:sldMk cId="1889967886" sldId="305"/>
+            <ac:spMk id="2" creationId="{98C8D805-CA61-6EEB-2481-8F1A6BCB7A94}"/>
+          </ac:spMkLst>
+        </pc:spChg>
+        <pc:spChg chg="mod">
+          <ac:chgData name="siddharth tapre" userId="b03a402c2cf46c4c" providerId="LiveId" clId="{0B946095-854B-4504-8D88-701390AEDB94}" dt="2023-06-15T02:12:12.325" v="881" actId="12"/>
+          <ac:spMkLst>
+            <pc:docMk/>
+            <pc:sldMk cId="1889967886" sldId="305"/>
+            <ac:spMk id="3" creationId="{39107D6D-682F-397C-BD19-F30FE5DC77A2}"/>
+          </ac:spMkLst>
+        </pc:spChg>
+      </pc:sldChg>
+      <pc:sldChg chg="modSp mod">
+        <pc:chgData name="siddharth tapre" userId="b03a402c2cf46c4c" providerId="LiveId" clId="{0B946095-854B-4504-8D88-701390AEDB94}" dt="2023-06-15T00:36:54.688" v="385" actId="207"/>
+        <pc:sldMkLst>
+          <pc:docMk/>
+          <pc:sldMk cId="3620199180" sldId="306"/>
+        </pc:sldMkLst>
+        <pc:spChg chg="mod">
+          <ac:chgData name="siddharth tapre" userId="b03a402c2cf46c4c" providerId="LiveId" clId="{0B946095-854B-4504-8D88-701390AEDB94}" dt="2023-06-15T00:36:54.688" v="385" actId="207"/>
+          <ac:spMkLst>
+            <pc:docMk/>
+            <pc:sldMk cId="3620199180" sldId="306"/>
+            <ac:spMk id="2" creationId="{CA5FC2E5-1BA4-6605-B655-089F82BC0562}"/>
+          </ac:spMkLst>
+        </pc:spChg>
+      </pc:sldChg>
+      <pc:sldChg chg="modSp mod">
+        <pc:chgData name="siddharth tapre" userId="b03a402c2cf46c4c" providerId="LiveId" clId="{0B946095-854B-4504-8D88-701390AEDB94}" dt="2023-06-15T00:36:48.470" v="384" actId="207"/>
+        <pc:sldMkLst>
+          <pc:docMk/>
+          <pc:sldMk cId="2633638694" sldId="307"/>
+        </pc:sldMkLst>
+        <pc:spChg chg="mod">
+          <ac:chgData name="siddharth tapre" userId="b03a402c2cf46c4c" providerId="LiveId" clId="{0B946095-854B-4504-8D88-701390AEDB94}" dt="2023-06-15T00:36:48.470" v="384" actId="207"/>
+          <ac:spMkLst>
+            <pc:docMk/>
+            <pc:sldMk cId="2633638694" sldId="307"/>
+            <ac:spMk id="4" creationId="{2483BA77-B58C-6E07-1A9B-CBA0B56406D4}"/>
+          </ac:spMkLst>
+        </pc:spChg>
+      </pc:sldChg>
+      <pc:sldChg chg="del">
+        <pc:chgData name="siddharth tapre" userId="b03a402c2cf46c4c" providerId="LiveId" clId="{0B946095-854B-4504-8D88-701390AEDB94}" dt="2023-06-15T00:35:40.032" v="378" actId="2696"/>
+        <pc:sldMkLst>
+          <pc:docMk/>
+          <pc:sldMk cId="3983712562" sldId="308"/>
+        </pc:sldMkLst>
+      </pc:sldChg>
+      <pc:sldChg chg="addSp modSp mod">
+        <pc:chgData name="siddharth tapre" userId="b03a402c2cf46c4c" providerId="LiveId" clId="{0B946095-854B-4504-8D88-701390AEDB94}" dt="2023-06-15T00:37:03.355" v="387" actId="207"/>
+        <pc:sldMkLst>
+          <pc:docMk/>
+          <pc:sldMk cId="3436143662" sldId="309"/>
+        </pc:sldMkLst>
+        <pc:spChg chg="mod">
+          <ac:chgData name="siddharth tapre" userId="b03a402c2cf46c4c" providerId="LiveId" clId="{0B946095-854B-4504-8D88-701390AEDB94}" dt="2023-06-15T00:37:03.355" v="387" actId="207"/>
+          <ac:spMkLst>
+            <pc:docMk/>
+            <pc:sldMk cId="3436143662" sldId="309"/>
+            <ac:spMk id="2" creationId="{D47BB960-0D9C-72D4-9209-CB4098A2B699}"/>
+          </ac:spMkLst>
+        </pc:spChg>
+        <pc:spChg chg="mod">
+          <ac:chgData name="siddharth tapre" userId="b03a402c2cf46c4c" providerId="LiveId" clId="{0B946095-854B-4504-8D88-701390AEDB94}" dt="2023-06-15T00:36:39.885" v="383" actId="207"/>
+          <ac:spMkLst>
+            <pc:docMk/>
+            <pc:sldMk cId="3436143662" sldId="309"/>
+            <ac:spMk id="3" creationId="{C01E1B41-92C9-6642-157B-39AB1CE7CF44}"/>
+          </ac:spMkLst>
+        </pc:spChg>
+        <pc:picChg chg="add mod">
+          <ac:chgData name="siddharth tapre" userId="b03a402c2cf46c4c" providerId="LiveId" clId="{0B946095-854B-4504-8D88-701390AEDB94}" dt="2023-06-15T00:36:29.884" v="381" actId="1076"/>
+          <ac:picMkLst>
+            <pc:docMk/>
+            <pc:sldMk cId="3436143662" sldId="309"/>
+            <ac:picMk id="4" creationId="{2E96001D-6231-000B-3B24-1196B66F62DC}"/>
+          </ac:picMkLst>
+        </pc:picChg>
+      </pc:sldChg>
+      <pc:sldChg chg="addSp delSp modSp new mod modClrScheme chgLayout">
+        <pc:chgData name="siddharth tapre" userId="b03a402c2cf46c4c" providerId="LiveId" clId="{0B946095-854B-4504-8D88-701390AEDB94}" dt="2023-06-15T02:18:49.026" v="966" actId="1076"/>
+        <pc:sldMkLst>
+          <pc:docMk/>
+          <pc:sldMk cId="3302355468" sldId="310"/>
+        </pc:sldMkLst>
+        <pc:spChg chg="del mod">
+          <ac:chgData name="siddharth tapre" userId="b03a402c2cf46c4c" providerId="LiveId" clId="{0B946095-854B-4504-8D88-701390AEDB94}" dt="2023-06-15T01:01:06.374" v="391" actId="478"/>
+          <ac:spMkLst>
+            <pc:docMk/>
+            <pc:sldMk cId="3302355468" sldId="310"/>
+            <ac:spMk id="2" creationId="{12ED732D-BBA1-E4CD-7654-D878E9ACABC8}"/>
+          </ac:spMkLst>
+        </pc:spChg>
+        <pc:spChg chg="del">
+          <ac:chgData name="siddharth tapre" userId="b03a402c2cf46c4c" providerId="LiveId" clId="{0B946095-854B-4504-8D88-701390AEDB94}" dt="2023-06-15T01:00:59.490" v="389" actId="478"/>
+          <ac:spMkLst>
+            <pc:docMk/>
+            <pc:sldMk cId="3302355468" sldId="310"/>
+            <ac:spMk id="3" creationId="{8A5EE51F-7E0A-A265-6B43-6E428217A2E2}"/>
+          </ac:spMkLst>
+        </pc:spChg>
+        <pc:spChg chg="add mod">
+          <ac:chgData name="siddharth tapre" userId="b03a402c2cf46c4c" providerId="LiveId" clId="{0B946095-854B-4504-8D88-701390AEDB94}" dt="2023-06-15T01:06:32.338" v="537" actId="313"/>
+          <ac:spMkLst>
+            <pc:docMk/>
+            <pc:sldMk cId="3302355468" sldId="310"/>
+            <ac:spMk id="4" creationId="{83A76C90-8A71-DBB0-9EC9-D5EAF532714B}"/>
+          </ac:spMkLst>
+        </pc:spChg>
+        <pc:picChg chg="add mod">
+          <ac:chgData name="siddharth tapre" userId="b03a402c2cf46c4c" providerId="LiveId" clId="{0B946095-854B-4504-8D88-701390AEDB94}" dt="2023-06-15T02:18:49.026" v="966" actId="1076"/>
+          <ac:picMkLst>
+            <pc:docMk/>
+            <pc:sldMk cId="3302355468" sldId="310"/>
+            <ac:picMk id="5" creationId="{1E5200A0-9F9D-E31A-9B9C-38D27DE123F4}"/>
+          </ac:picMkLst>
+        </pc:picChg>
+      </pc:sldChg>
+      <pc:sldChg chg="addSp modSp new mod">
+        <pc:chgData name="siddharth tapre" userId="b03a402c2cf46c4c" providerId="LiveId" clId="{0B946095-854B-4504-8D88-701390AEDB94}" dt="2023-06-15T02:19:14.418" v="968" actId="1076"/>
+        <pc:sldMkLst>
+          <pc:docMk/>
+          <pc:sldMk cId="3524212349" sldId="311"/>
+        </pc:sldMkLst>
+        <pc:spChg chg="add mod">
+          <ac:chgData name="siddharth tapre" userId="b03a402c2cf46c4c" providerId="LiveId" clId="{0B946095-854B-4504-8D88-701390AEDB94}" dt="2023-06-15T01:05:58.990" v="512" actId="1076"/>
+          <ac:spMkLst>
+            <pc:docMk/>
+            <pc:sldMk cId="3524212349" sldId="311"/>
+            <ac:spMk id="2" creationId="{104984A2-8F22-2E07-6E72-648CFFDAB813}"/>
+          </ac:spMkLst>
+        </pc:spChg>
+        <pc:picChg chg="add mod">
+          <ac:chgData name="siddharth tapre" userId="b03a402c2cf46c4c" providerId="LiveId" clId="{0B946095-854B-4504-8D88-701390AEDB94}" dt="2023-06-15T02:19:14.418" v="968" actId="1076"/>
+          <ac:picMkLst>
+            <pc:docMk/>
+            <pc:sldMk cId="3524212349" sldId="311"/>
+            <ac:picMk id="3" creationId="{3CE8367A-C524-4A2D-B337-934C8118FD35}"/>
+          </ac:picMkLst>
+        </pc:picChg>
+      </pc:sldChg>
+      <pc:sldChg chg="addSp delSp modSp new mod">
+        <pc:chgData name="siddharth tapre" userId="b03a402c2cf46c4c" providerId="LiveId" clId="{0B946095-854B-4504-8D88-701390AEDB94}" dt="2023-06-15T02:20:44.903" v="977" actId="14100"/>
+        <pc:sldMkLst>
+          <pc:docMk/>
+          <pc:sldMk cId="1983083925" sldId="312"/>
+        </pc:sldMkLst>
+        <pc:spChg chg="mod">
+          <ac:chgData name="siddharth tapre" userId="b03a402c2cf46c4c" providerId="LiveId" clId="{0B946095-854B-4504-8D88-701390AEDB94}" dt="2023-06-15T02:11:48.136" v="870"/>
+          <ac:spMkLst>
+            <pc:docMk/>
+            <pc:sldMk cId="1983083925" sldId="312"/>
+            <ac:spMk id="2" creationId="{8C8DBF96-CAD0-20F4-DA1F-A4BA470B35FE}"/>
+          </ac:spMkLst>
+        </pc:spChg>
+        <pc:spChg chg="mod">
+          <ac:chgData name="siddharth tapre" userId="b03a402c2cf46c4c" providerId="LiveId" clId="{0B946095-854B-4504-8D88-701390AEDB94}" dt="2023-06-15T02:20:44.903" v="977" actId="14100"/>
+          <ac:spMkLst>
+            <pc:docMk/>
+            <pc:sldMk cId="1983083925" sldId="312"/>
+            <ac:spMk id="3" creationId="{1C98F66C-85D8-476B-12BF-48F26F1C9600}"/>
+          </ac:spMkLst>
+        </pc:spChg>
+        <pc:picChg chg="add del mod">
+          <ac:chgData name="siddharth tapre" userId="b03a402c2cf46c4c" providerId="LiveId" clId="{0B946095-854B-4504-8D88-701390AEDB94}" dt="2023-06-15T02:20:14.196" v="973" actId="478"/>
+          <ac:picMkLst>
+            <pc:docMk/>
+            <pc:sldMk cId="1983083925" sldId="312"/>
+            <ac:picMk id="4" creationId="{B1A61737-B845-821C-28F4-250C9D9A44EF}"/>
+          </ac:picMkLst>
+        </pc:picChg>
+        <pc:picChg chg="add mod">
+          <ac:chgData name="siddharth tapre" userId="b03a402c2cf46c4c" providerId="LiveId" clId="{0B946095-854B-4504-8D88-701390AEDB94}" dt="2023-06-15T02:20:36.618" v="976" actId="14100"/>
+          <ac:picMkLst>
+            <pc:docMk/>
+            <pc:sldMk cId="1983083925" sldId="312"/>
+            <ac:picMk id="5" creationId="{45930F11-75C8-BCAB-9651-371BD5BCDA8D}"/>
+          </ac:picMkLst>
+        </pc:picChg>
+      </pc:sldChg>
+    </pc:docChg>
+  </pc:docChgLst>
+</pc:chgInfo>
+</file>
+
 <file path=ppt/slideLayouts/slideLayout1.xml><?xml version="1.0" encoding="utf-8"?>
 <p:sldLayout xmlns:a="http://schemas.openxmlformats.org/drawingml/2006/main" xmlns:r="http://schemas.openxmlformats.org/officeDocument/2006/relationships" xmlns:p="http://schemas.openxmlformats.org/presentationml/2006/main" showMasterSp="0" type="title" preserve="1">
   <p:cSld name="Title Slide">
@@ -364,7 +572,7 @@
           <a:p>
             <a:fld id="{9184DA70-C731-4C70-880D-CCD4705E623C}" type="datetime1">
               <a:rPr lang="en-US" smtClean="0"/>
-              <a:t>6/13/2023</a:t>
+              <a:t>6/15/2023</a:t>
             </a:fld>
             <a:endParaRPr lang="en-US" dirty="0"/>
           </a:p>
@@ -552,7 +760,7 @@
           <a:p>
             <a:fld id="{4BE1D723-8F53-4F53-90B0-1982A396982E}" type="datetime1">
               <a:rPr lang="en-US" smtClean="0"/>
-              <a:t>6/13/2023</a:t>
+              <a:t>6/15/2023</a:t>
             </a:fld>
             <a:endParaRPr lang="en-US" dirty="0"/>
           </a:p>
@@ -925,7 +1133,7 @@
           <a:p>
             <a:fld id="{97669AF7-7BEB-44E4-9852-375E34362B5B}" type="datetime1">
               <a:rPr lang="en-US" smtClean="0"/>
-              <a:t>6/13/2023</a:t>
+              <a:t>6/15/2023</a:t>
             </a:fld>
             <a:endParaRPr lang="en-US" dirty="0"/>
           </a:p>
@@ -1180,7 +1388,7 @@
           <a:p>
             <a:fld id="{BAAAC38D-0552-4C82-B593-E6124DFADBE2}" type="datetime1">
               <a:rPr lang="en-US" smtClean="0"/>
-              <a:t>6/13/2023</a:t>
+              <a:t>6/15/2023</a:t>
             </a:fld>
             <a:endParaRPr lang="en-US" dirty="0"/>
           </a:p>
@@ -1577,7 +1785,7 @@
           <a:p>
             <a:fld id="{D9DF0F1C-5577-4ACB-BB62-DF8F3C494C7E}" type="datetime1">
               <a:rPr lang="en-US" smtClean="0"/>
-              <a:t>6/13/2023</a:t>
+              <a:t>6/15/2023</a:t>
             </a:fld>
             <a:endParaRPr lang="en-US" dirty="0"/>
           </a:p>
@@ -1713,7 +1921,7 @@
           <a:p>
             <a:fld id="{1775B394-D9F9-4F0C-B15D-605F45CB9E9F}" type="datetime1">
               <a:rPr lang="en-US" smtClean="0"/>
-              <a:t>6/13/2023</a:t>
+              <a:t>6/15/2023</a:t>
             </a:fld>
             <a:endParaRPr lang="en-US" dirty="0"/>
           </a:p>
@@ -1870,7 +2078,7 @@
           <a:p>
             <a:fld id="{39667345-2558-425A-8533-9BFDBCE15005}" type="datetime1">
               <a:rPr lang="en-US" smtClean="0"/>
-              <a:t>6/13/2023</a:t>
+              <a:t>6/15/2023</a:t>
             </a:fld>
             <a:endParaRPr lang="en-US" dirty="0"/>
           </a:p>
@@ -2199,7 +2407,7 @@
           <a:p>
             <a:fld id="{92BEA474-078D-4E9B-9B14-09A87B19DC46}" type="datetime1">
               <a:rPr lang="en-US" smtClean="0"/>
-              <a:t>6/13/2023</a:t>
+              <a:t>6/15/2023</a:t>
             </a:fld>
             <a:endParaRPr lang="en-US" dirty="0"/>
           </a:p>
@@ -2549,7 +2757,7 @@
           <a:p>
             <a:fld id="{4907D986-8816-4272-A432-0437A28A9828}" type="datetime1">
               <a:rPr lang="en-US" smtClean="0"/>
-              <a:t>6/13/2023</a:t>
+              <a:t>6/15/2023</a:t>
             </a:fld>
             <a:endParaRPr lang="en-US" dirty="0"/>
           </a:p>
@@ -2810,7 +3018,7 @@
           <a:p>
             <a:fld id="{62D6E202-B606-4609-B914-27C9371A1F6D}" type="datetime1">
               <a:rPr lang="en-US" smtClean="0"/>
-              <a:t>6/13/2023</a:t>
+              <a:t>6/15/2023</a:t>
             </a:fld>
             <a:endParaRPr lang="en-US" dirty="0"/>
           </a:p>
@@ -3783,6 +3991,198 @@
 </p:sld>
 </file>
 
+<file path=ppt/slides/slide10.xml><?xml version="1.0" encoding="utf-8"?>
+<p:sld xmlns:a="http://schemas.openxmlformats.org/drawingml/2006/main" xmlns:r="http://schemas.openxmlformats.org/officeDocument/2006/relationships" xmlns:p="http://schemas.openxmlformats.org/presentationml/2006/main">
+  <p:cSld>
+    <p:spTree>
+      <p:nvGrpSpPr>
+        <p:cNvPr id="1" name=""/>
+        <p:cNvGrpSpPr/>
+        <p:nvPr/>
+      </p:nvGrpSpPr>
+      <p:grpSpPr>
+        <a:xfrm>
+          <a:off x="0" y="0"/>
+          <a:ext cx="0" cy="0"/>
+          <a:chOff x="0" y="0"/>
+          <a:chExt cx="0" cy="0"/>
+        </a:xfrm>
+      </p:grpSpPr>
+      <p:sp>
+        <p:nvSpPr>
+          <p:cNvPr id="4" name="TextBox 3">
+            <a:extLst>
+              <a:ext uri="{FF2B5EF4-FFF2-40B4-BE49-F238E27FC236}">
+                <a16:creationId xmlns:a16="http://schemas.microsoft.com/office/drawing/2014/main" id="{83A76C90-8A71-DBB0-9EC9-D5EAF532714B}"/>
+              </a:ext>
+            </a:extLst>
+          </p:cNvPr>
+          <p:cNvSpPr txBox="1"/>
+          <p:nvPr/>
+        </p:nvSpPr>
+        <p:spPr>
+          <a:xfrm>
+            <a:off x="1526959" y="2654424"/>
+            <a:ext cx="9237850" cy="707886"/>
+          </a:xfrm>
+          <a:prstGeom prst="rect">
+            <a:avLst/>
+          </a:prstGeom>
+          <a:noFill/>
+        </p:spPr>
+        <p:txBody>
+          <a:bodyPr wrap="none" rtlCol="0">
+            <a:spAutoFit/>
+          </a:bodyPr>
+          <a:lstStyle/>
+          <a:p>
+            <a:r>
+              <a:rPr lang="en-US" sz="4000" dirty="0"/>
+              <a:t>Let’s go to Git hub to understand the code</a:t>
+            </a:r>
+            <a:endParaRPr lang="en-IN" sz="4000" dirty="0"/>
+          </a:p>
+        </p:txBody>
+      </p:sp>
+      <p:pic>
+        <p:nvPicPr>
+          <p:cNvPr id="5" name="Picture 4">
+            <a:extLst>
+              <a:ext uri="{FF2B5EF4-FFF2-40B4-BE49-F238E27FC236}">
+                <a16:creationId xmlns:a16="http://schemas.microsoft.com/office/drawing/2014/main" id="{1E5200A0-9F9D-E31A-9B9C-38D27DE123F4}"/>
+              </a:ext>
+            </a:extLst>
+          </p:cNvPr>
+          <p:cNvPicPr>
+            <a:picLocks noChangeAspect="1"/>
+          </p:cNvPicPr>
+          <p:nvPr/>
+        </p:nvPicPr>
+        <p:blipFill>
+          <a:blip r:embed="rId2"/>
+          <a:stretch>
+            <a:fillRect/>
+          </a:stretch>
+        </p:blipFill>
+        <p:spPr>
+          <a:xfrm>
+            <a:off x="5201602" y="3837622"/>
+            <a:ext cx="1209675" cy="1209675"/>
+          </a:xfrm>
+          <a:prstGeom prst="rect">
+            <a:avLst/>
+          </a:prstGeom>
+        </p:spPr>
+      </p:pic>
+    </p:spTree>
+    <p:extLst>
+      <p:ext uri="{BB962C8B-B14F-4D97-AF65-F5344CB8AC3E}">
+        <p14:creationId xmlns:p14="http://schemas.microsoft.com/office/powerpoint/2010/main" val="3302355468"/>
+      </p:ext>
+    </p:extLst>
+  </p:cSld>
+  <p:clrMapOvr>
+    <a:masterClrMapping/>
+  </p:clrMapOvr>
+</p:sld>
+</file>
+
+<file path=ppt/slides/slide11.xml><?xml version="1.0" encoding="utf-8"?>
+<p:sld xmlns:a="http://schemas.openxmlformats.org/drawingml/2006/main" xmlns:r="http://schemas.openxmlformats.org/officeDocument/2006/relationships" xmlns:p="http://schemas.openxmlformats.org/presentationml/2006/main">
+  <p:cSld>
+    <p:spTree>
+      <p:nvGrpSpPr>
+        <p:cNvPr id="1" name=""/>
+        <p:cNvGrpSpPr/>
+        <p:nvPr/>
+      </p:nvGrpSpPr>
+      <p:grpSpPr>
+        <a:xfrm>
+          <a:off x="0" y="0"/>
+          <a:ext cx="0" cy="0"/>
+          <a:chOff x="0" y="0"/>
+          <a:chExt cx="0" cy="0"/>
+        </a:xfrm>
+      </p:grpSpPr>
+      <p:sp>
+        <p:nvSpPr>
+          <p:cNvPr id="2" name="TextBox 1">
+            <a:extLst>
+              <a:ext uri="{FF2B5EF4-FFF2-40B4-BE49-F238E27FC236}">
+                <a16:creationId xmlns:a16="http://schemas.microsoft.com/office/drawing/2014/main" id="{104984A2-8F22-2E07-6E72-648CFFDAB813}"/>
+              </a:ext>
+            </a:extLst>
+          </p:cNvPr>
+          <p:cNvSpPr txBox="1"/>
+          <p:nvPr/>
+        </p:nvSpPr>
+        <p:spPr>
+          <a:xfrm>
+            <a:off x="2348366" y="2721114"/>
+            <a:ext cx="7072257" cy="707886"/>
+          </a:xfrm>
+          <a:prstGeom prst="rect">
+            <a:avLst/>
+          </a:prstGeom>
+          <a:noFill/>
+        </p:spPr>
+        <p:txBody>
+          <a:bodyPr wrap="none" rtlCol="0">
+            <a:spAutoFit/>
+          </a:bodyPr>
+          <a:lstStyle/>
+          <a:p>
+            <a:r>
+              <a:rPr lang="en-US" sz="4000" dirty="0"/>
+              <a:t>Thank you and auf wiedersehen</a:t>
+            </a:r>
+            <a:endParaRPr lang="en-IN" sz="4000" dirty="0"/>
+          </a:p>
+        </p:txBody>
+      </p:sp>
+      <p:pic>
+        <p:nvPicPr>
+          <p:cNvPr id="3" name="Picture 2">
+            <a:extLst>
+              <a:ext uri="{FF2B5EF4-FFF2-40B4-BE49-F238E27FC236}">
+                <a16:creationId xmlns:a16="http://schemas.microsoft.com/office/drawing/2014/main" id="{3CE8367A-C524-4A2D-B337-934C8118FD35}"/>
+              </a:ext>
+            </a:extLst>
+          </p:cNvPr>
+          <p:cNvPicPr>
+            <a:picLocks noChangeAspect="1"/>
+          </p:cNvPicPr>
+          <p:nvPr/>
+        </p:nvPicPr>
+        <p:blipFill>
+          <a:blip r:embed="rId2"/>
+          <a:stretch>
+            <a:fillRect/>
+          </a:stretch>
+        </p:blipFill>
+        <p:spPr>
+          <a:xfrm>
+            <a:off x="5107305" y="4032885"/>
+            <a:ext cx="1200150" cy="1200150"/>
+          </a:xfrm>
+          <a:prstGeom prst="rect">
+            <a:avLst/>
+          </a:prstGeom>
+        </p:spPr>
+      </p:pic>
+    </p:spTree>
+    <p:extLst>
+      <p:ext uri="{BB962C8B-B14F-4D97-AF65-F5344CB8AC3E}">
+        <p14:creationId xmlns:p14="http://schemas.microsoft.com/office/powerpoint/2010/main" val="3524212349"/>
+      </p:ext>
+    </p:extLst>
+  </p:cSld>
+  <p:clrMapOvr>
+    <a:masterClrMapping/>
+  </p:clrMapOvr>
+</p:sld>
+</file>
+
 <file path=ppt/slides/slide2.xml><?xml version="1.0" encoding="utf-8"?>
 <p:sld xmlns:a="http://schemas.openxmlformats.org/drawingml/2006/main" xmlns:r="http://schemas.openxmlformats.org/officeDocument/2006/relationships" xmlns:p="http://schemas.openxmlformats.org/presentationml/2006/main">
   <p:cSld>
@@ -4201,10 +4601,18 @@
           <a:lstStyle/>
           <a:p>
             <a:r>
-              <a:rPr lang="en-US" dirty="0"/>
+              <a:rPr lang="en-US" dirty="0">
+                <a:solidFill>
+                  <a:srgbClr val="0070C0"/>
+                </a:solidFill>
+              </a:rPr>
               <a:t>Diagram of data pipeline</a:t>
             </a:r>
-            <a:endParaRPr lang="en-IN" dirty="0"/>
+            <a:endParaRPr lang="en-IN" dirty="0">
+              <a:solidFill>
+                <a:srgbClr val="0070C0"/>
+              </a:solidFill>
+            </a:endParaRPr>
           </a:p>
         </p:txBody>
       </p:sp>
@@ -4461,14 +4869,18 @@
           <a:lstStyle/>
           <a:p>
             <a:r>
-              <a:rPr lang="en-US" dirty="0" err="1"/>
-              <a:t>KanBan</a:t>
-            </a:r>
-            <a:r>
-              <a:rPr lang="en-US" dirty="0"/>
-              <a:t> board</a:t>
-            </a:r>
-            <a:endParaRPr lang="en-IN" dirty="0"/>
+              <a:rPr lang="en-US" dirty="0">
+                <a:solidFill>
+                  <a:srgbClr val="0070C0"/>
+                </a:solidFill>
+              </a:rPr>
+              <a:t>KanBan board</a:t>
+            </a:r>
+            <a:endParaRPr lang="en-IN" dirty="0">
+              <a:solidFill>
+                <a:srgbClr val="0070C0"/>
+              </a:solidFill>
+            </a:endParaRPr>
           </a:p>
         </p:txBody>
       </p:sp>
@@ -4553,10 +4965,18 @@
           <a:lstStyle/>
           <a:p>
             <a:r>
-              <a:rPr lang="en-US" dirty="0"/>
-              <a:t>Difficulties and limitations</a:t>
-            </a:r>
-            <a:endParaRPr lang="en-IN" dirty="0"/>
+              <a:rPr lang="en-US" dirty="0">
+                <a:solidFill>
+                  <a:srgbClr val="0070C0"/>
+                </a:solidFill>
+              </a:rPr>
+              <a:t>limitations</a:t>
+            </a:r>
+            <a:endParaRPr lang="en-IN" dirty="0">
+              <a:solidFill>
+                <a:srgbClr val="0070C0"/>
+              </a:solidFill>
+            </a:endParaRPr>
           </a:p>
         </p:txBody>
       </p:sp>
@@ -4583,22 +5003,10 @@
           </a:xfrm>
         </p:spPr>
         <p:txBody>
-          <a:bodyPr/>
+          <a:bodyPr>
+            <a:normAutofit/>
+          </a:bodyPr>
           <a:lstStyle/>
-          <a:p>
-            <a:pPr>
-              <a:buFont typeface="Arial" panose="020B0604020202020204" pitchFamily="34" charset="0"/>
-              <a:buChar char="•"/>
-            </a:pPr>
-            <a:endParaRPr lang="en-US" dirty="0"/>
-          </a:p>
-          <a:p>
-            <a:pPr>
-              <a:buFont typeface="Arial" panose="020B0604020202020204" pitchFamily="34" charset="0"/>
-              <a:buChar char="•"/>
-            </a:pPr>
-            <a:endParaRPr lang="en-US" dirty="0"/>
-          </a:p>
           <a:p>
             <a:pPr>
               <a:buFont typeface="Arial" panose="020B0604020202020204" pitchFamily="34" charset="0"/>
@@ -4728,10 +5136,18 @@
           <a:lstStyle/>
           <a:p>
             <a:r>
-              <a:rPr lang="en-US" dirty="0"/>
-              <a:t>Market study</a:t>
-            </a:r>
-            <a:endParaRPr lang="en-IN" dirty="0"/>
+              <a:rPr lang="en-US" dirty="0">
+                <a:solidFill>
+                  <a:srgbClr val="0070C0"/>
+                </a:solidFill>
+              </a:rPr>
+              <a:t>Requirements</a:t>
+            </a:r>
+            <a:endParaRPr lang="en-IN" dirty="0">
+              <a:solidFill>
+                <a:srgbClr val="0070C0"/>
+              </a:solidFill>
+            </a:endParaRPr>
           </a:p>
         </p:txBody>
       </p:sp>
@@ -4751,40 +5167,93 @@
             <p:ph idx="1"/>
           </p:nvPr>
         </p:nvSpPr>
-        <p:spPr/>
+        <p:spPr>
+          <a:xfrm>
+            <a:off x="1097280" y="2108201"/>
+            <a:ext cx="7070176" cy="3760891"/>
+          </a:xfrm>
+        </p:spPr>
         <p:txBody>
           <a:bodyPr/>
           <a:lstStyle/>
           <a:p>
-            <a:r>
-              <a:rPr lang="en-IN" dirty="0" err="1"/>
-              <a:t>Hevo</a:t>
-            </a:r>
-            <a:r>
-              <a:rPr lang="en-IN" dirty="0"/>
-              <a:t> Report: Kafka and Mongo DB integration</a:t>
-            </a:r>
-          </a:p>
-          <a:p>
-            <a:r>
-              <a:rPr lang="en-IN" dirty="0"/>
-              <a:t>Perficient Blog: Kafka and Mongo DB integration</a:t>
-            </a:r>
-          </a:p>
-          <a:p>
-            <a:r>
-              <a:rPr lang="en-US" dirty="0"/>
-              <a:t>Enabling connected transformation with Apache Kafka and TensorFlow on the Google Cloud Platform</a:t>
-            </a:r>
-            <a:endParaRPr lang="en-IN" dirty="0"/>
-          </a:p>
-          <a:p>
-            <a:pPr rtl="0"/>
-            <a:r>
-              <a:rPr lang="en-IN" dirty="0">
+            <a:pPr>
+              <a:buFont typeface="Arial" panose="020B0604020202020204" pitchFamily="34" charset="0"/>
+              <a:buChar char="•"/>
+            </a:pPr>
+            <a:r>
+              <a:rPr lang="en-US" dirty="0">
+                <a:solidFill>
+                  <a:srgbClr val="0070C0"/>
+                </a:solidFill>
+              </a:rPr>
+              <a:t>We have created a virtual environment for this project based on Python 3.9</a:t>
+            </a:r>
+          </a:p>
+          <a:p>
+            <a:pPr>
+              <a:buFont typeface="Arial" panose="020B0604020202020204" pitchFamily="34" charset="0"/>
+              <a:buChar char="•"/>
+            </a:pPr>
+            <a:r>
+              <a:rPr lang="en-US" dirty="0">
+                <a:solidFill>
+                  <a:srgbClr val="0070C0"/>
+                </a:solidFill>
                 <a:effectLst/>
               </a:rPr>
-              <a:t>Apache Kafka and Google Cloud Platform Guide</a:t>
+              <a:t>All the pack</a:t>
+            </a:r>
+            <a:r>
+              <a:rPr lang="en-US" dirty="0">
+                <a:solidFill>
+                  <a:srgbClr val="0070C0"/>
+                </a:solidFill>
+              </a:rPr>
+              <a:t>ages that are required to run the code are mentioned in the requirements.txt file which is uploaded on Git Hub.</a:t>
+            </a:r>
+          </a:p>
+          <a:p>
+            <a:pPr>
+              <a:buFont typeface="Arial" panose="020B0604020202020204" pitchFamily="34" charset="0"/>
+              <a:buChar char="•"/>
+            </a:pPr>
+            <a:r>
+              <a:rPr lang="en-US" dirty="0">
+                <a:solidFill>
+                  <a:srgbClr val="0070C0"/>
+                </a:solidFill>
+                <a:effectLst/>
+              </a:rPr>
+              <a:t>Example. P</a:t>
+            </a:r>
+            <a:r>
+              <a:rPr lang="en-US" dirty="0">
+                <a:solidFill>
+                  <a:srgbClr val="0070C0"/>
+                </a:solidFill>
+              </a:rPr>
+              <a:t>andas, Plotly, Kafka etc.</a:t>
+            </a:r>
+            <a:endParaRPr lang="en-IN" dirty="0">
+              <a:solidFill>
+                <a:srgbClr val="0070C0"/>
+              </a:solidFill>
+              <a:effectLst/>
+            </a:endParaRPr>
+          </a:p>
+          <a:p>
+            <a:pPr>
+              <a:buFont typeface="Arial" panose="020B0604020202020204" pitchFamily="34" charset="0"/>
+              <a:buChar char="•"/>
+            </a:pPr>
+            <a:r>
+              <a:rPr lang="en-US" dirty="0">
+                <a:solidFill>
+                  <a:srgbClr val="0070C0"/>
+                </a:solidFill>
+              </a:rPr>
+              <a:t>The entire application has been developed on VS code</a:t>
             </a:r>
           </a:p>
           <a:p>
@@ -4792,6 +5261,36 @@
           </a:p>
         </p:txBody>
       </p:sp>
+      <p:pic>
+        <p:nvPicPr>
+          <p:cNvPr id="4" name="Picture 3">
+            <a:extLst>
+              <a:ext uri="{FF2B5EF4-FFF2-40B4-BE49-F238E27FC236}">
+                <a16:creationId xmlns:a16="http://schemas.microsoft.com/office/drawing/2014/main" id="{2E96001D-6231-000B-3B24-1196B66F62DC}"/>
+              </a:ext>
+            </a:extLst>
+          </p:cNvPr>
+          <p:cNvPicPr>
+            <a:picLocks noChangeAspect="1"/>
+          </p:cNvPicPr>
+          <p:nvPr/>
+        </p:nvPicPr>
+        <p:blipFill>
+          <a:blip r:embed="rId2"/>
+          <a:stretch>
+            <a:fillRect/>
+          </a:stretch>
+        </p:blipFill>
+        <p:spPr>
+          <a:xfrm>
+            <a:off x="8456295" y="2108201"/>
+            <a:ext cx="2638425" cy="1733550"/>
+          </a:xfrm>
+          <a:prstGeom prst="rect">
+            <a:avLst/>
+          </a:prstGeom>
+        </p:spPr>
+      </p:pic>
     </p:spTree>
     <p:extLst>
       <p:ext uri="{BB962C8B-B14F-4D97-AF65-F5344CB8AC3E}">
@@ -4827,7 +5326,7 @@
           <p:cNvPr id="2" name="Title 1">
             <a:extLst>
               <a:ext uri="{FF2B5EF4-FFF2-40B4-BE49-F238E27FC236}">
-                <a16:creationId xmlns:a16="http://schemas.microsoft.com/office/drawing/2014/main" id="{45118028-64EE-B7FF-7842-A7C1F031A5B1}"/>
+                <a16:creationId xmlns:a16="http://schemas.microsoft.com/office/drawing/2014/main" id="{8C8DBF96-CAD0-20F4-DA1F-A4BA470B35FE}"/>
               </a:ext>
             </a:extLst>
           </p:cNvPr>
@@ -4844,8 +5343,12 @@
           <a:lstStyle/>
           <a:p>
             <a:r>
-              <a:rPr lang="en-US" dirty="0" err="1"/>
-              <a:t>biblography</a:t>
+              <a:rPr lang="en-US" dirty="0">
+                <a:solidFill>
+                  <a:srgbClr val="0070C0"/>
+                </a:solidFill>
+              </a:rPr>
+              <a:t>Difficulties</a:t>
             </a:r>
             <a:endParaRPr lang="en-IN" dirty="0"/>
           </a:p>
@@ -4856,7 +5359,7 @@
           <p:cNvPr id="3" name="Content Placeholder 2">
             <a:extLst>
               <a:ext uri="{FF2B5EF4-FFF2-40B4-BE49-F238E27FC236}">
-                <a16:creationId xmlns:a16="http://schemas.microsoft.com/office/drawing/2014/main" id="{C917136D-DFB1-9BD9-95AF-75DC2BBEE7BB}"/>
+                <a16:creationId xmlns:a16="http://schemas.microsoft.com/office/drawing/2014/main" id="{1C98F66C-85D8-476B-12BF-48F26F1C9600}"/>
               </a:ext>
             </a:extLst>
           </p:cNvPr>
@@ -4867,38 +5370,107 @@
             <p:ph idx="1"/>
           </p:nvPr>
         </p:nvSpPr>
-        <p:spPr/>
+        <p:spPr>
+          <a:xfrm>
+            <a:off x="1097280" y="2108201"/>
+            <a:ext cx="7109460" cy="3760891"/>
+          </a:xfrm>
+        </p:spPr>
         <p:txBody>
           <a:bodyPr/>
           <a:lstStyle/>
           <a:p>
-            <a:r>
-              <a:rPr lang="en-IN" dirty="0">
-                <a:effectLst/>
-                <a:hlinkClick r:id="rId2" tooltip="https://kafka.apache.org/"/>
+            <a:pPr>
+              <a:buFont typeface="Arial" panose="020B0604020202020204" pitchFamily="34" charset="0"/>
+              <a:buChar char="•"/>
+            </a:pPr>
+            <a:r>
+              <a:rPr lang="en-US" dirty="0">
+                <a:solidFill>
+                  <a:srgbClr val="0070C0"/>
+                </a:solidFill>
               </a:rPr>
-              <a:t>https://kafka.apache.org/</a:t>
-            </a:r>
-            <a:endParaRPr lang="en-IN" dirty="0">
-              <a:effectLst/>
+              <a:t>There was difficulty in specifying the correct set of parameters inside the Kafka producer object.</a:t>
+            </a:r>
+          </a:p>
+          <a:p>
+            <a:pPr>
+              <a:buFont typeface="Arial" panose="020B0604020202020204" pitchFamily="34" charset="0"/>
+              <a:buChar char="•"/>
+            </a:pPr>
+            <a:r>
+              <a:rPr lang="en-US" dirty="0">
+                <a:solidFill>
+                  <a:srgbClr val="0070C0"/>
+                </a:solidFill>
+              </a:rPr>
+              <a:t>There was difficulty in establishing a connection with the Google Cloud using Python.</a:t>
+            </a:r>
+          </a:p>
+          <a:p>
+            <a:pPr>
+              <a:buFont typeface="Arial" panose="020B0604020202020204" pitchFamily="34" charset="0"/>
+              <a:buChar char="•"/>
+            </a:pPr>
+            <a:r>
+              <a:rPr lang="en-US" dirty="0">
+                <a:solidFill>
+                  <a:srgbClr val="0070C0"/>
+                </a:solidFill>
+              </a:rPr>
+              <a:t>There was difficulty in rendering the visuals live.</a:t>
+            </a:r>
+          </a:p>
+          <a:p>
+            <a:pPr>
+              <a:buFont typeface="Arial" panose="020B0604020202020204" pitchFamily="34" charset="0"/>
+              <a:buChar char="•"/>
+            </a:pPr>
+            <a:endParaRPr lang="en-US" dirty="0">
+              <a:solidFill>
+                <a:srgbClr val="0070C0"/>
+              </a:solidFill>
             </a:endParaRPr>
           </a:p>
           <a:p>
-            <a:r>
-              <a:rPr lang="en-IN" dirty="0">
-                <a:effectLst/>
-                <a:hlinkClick r:id="rId3" tooltip="https://cloud.google.com/cloud-console/?utm_source=google&amp;utm_medium=cpc&amp;utm_campaign=emea-de-all-en-dr-bkws-all-all-trial-e-gcp-1011340&amp;utm_content=text-ad-none-any-dev_c-cre_574560786684-adgp_hybrid%20%7c%20bkws%20-%20exa%20%7c%20txt%20~%20management%20tools%20~%20cloud%20console%23v6-kwid_43700060411800808-kwd-353549070178-userloc_9041996&amp;utm_term=kw_gcp%20console-net_g-plac_&amp;&amp;gad=1&amp;gclid=cjwkcajwyqwkbhbmeiwap2yufgampjajrqjqa2tczh_3cjoa74ud6mrj7upq4hbzr1kygwtevx9awbocaamqavd_bwe&amp;gclsrc=aw.ds"/>
-              </a:rPr>
-              <a:t>https://cloud.google.com/cloud-console/</a:t>
-            </a:r>
             <a:endParaRPr lang="en-IN" dirty="0"/>
           </a:p>
         </p:txBody>
       </p:sp>
+      <p:pic>
+        <p:nvPicPr>
+          <p:cNvPr id="5" name="Picture 4">
+            <a:extLst>
+              <a:ext uri="{FF2B5EF4-FFF2-40B4-BE49-F238E27FC236}">
+                <a16:creationId xmlns:a16="http://schemas.microsoft.com/office/drawing/2014/main" id="{45930F11-75C8-BCAB-9651-371BD5BCDA8D}"/>
+              </a:ext>
+            </a:extLst>
+          </p:cNvPr>
+          <p:cNvPicPr>
+            <a:picLocks noChangeAspect="1"/>
+          </p:cNvPicPr>
+          <p:nvPr/>
+        </p:nvPicPr>
+        <p:blipFill>
+          <a:blip r:embed="rId2"/>
+          <a:stretch>
+            <a:fillRect/>
+          </a:stretch>
+        </p:blipFill>
+        <p:spPr>
+          <a:xfrm>
+            <a:off x="8499157" y="2108201"/>
+            <a:ext cx="2359343" cy="2359343"/>
+          </a:xfrm>
+          <a:prstGeom prst="rect">
+            <a:avLst/>
+          </a:prstGeom>
+        </p:spPr>
+      </p:pic>
     </p:spTree>
     <p:extLst>
       <p:ext uri="{BB962C8B-B14F-4D97-AF65-F5344CB8AC3E}">
-        <p14:creationId xmlns:p14="http://schemas.microsoft.com/office/powerpoint/2010/main" val="3983712562"/>
+        <p14:creationId xmlns:p14="http://schemas.microsoft.com/office/powerpoint/2010/main" val="1983083925"/>
       </p:ext>
     </p:extLst>
   </p:cSld>
@@ -5235,21 +5807,21 @@
 </file>
 
 <file path=customXml/item1.xml><?xml version="1.0" encoding="utf-8"?>
+<?mso-contentType ?>
+<FormTemplates xmlns="http://schemas.microsoft.com/sharepoint/v3/contenttype/forms">
+  <Display>DocumentLibraryForm</Display>
+  <Edit>DocumentLibraryForm</Edit>
+  <New>DocumentLibraryForm</New>
+</FormTemplates>
+</file>
+
+<file path=customXml/item2.xml><?xml version="1.0" encoding="utf-8"?>
 <p:properties xmlns:p="http://schemas.microsoft.com/office/2006/metadata/properties" xmlns:xsi="http://www.w3.org/2001/XMLSchema-instance" xmlns:pc="http://schemas.microsoft.com/office/infopath/2007/PartnerControls">
   <documentManagement>
     <Status xmlns="71af3243-3dd4-4a8d-8c0d-dd76da1f02a5">Not started</Status>
     <MediaServiceKeyPoints xmlns="71af3243-3dd4-4a8d-8c0d-dd76da1f02a5" xsi:nil="true"/>
   </documentManagement>
 </p:properties>
-</file>
-
-<file path=customXml/item2.xml><?xml version="1.0" encoding="utf-8"?>
-<?mso-contentType ?>
-<FormTemplates xmlns="http://schemas.microsoft.com/sharepoint/v3/contenttype/forms">
-  <Display>DocumentLibraryForm</Display>
-  <Edit>DocumentLibraryForm</Edit>
-  <New>DocumentLibraryForm</New>
-</FormTemplates>
 </file>
 
 <file path=customXml/item3.xml><?xml version="1.0" encoding="utf-8"?>
@@ -5474,19 +6046,19 @@
 </file>
 
 <file path=customXml/itemProps1.xml><?xml version="1.0" encoding="utf-8"?>
+<ds:datastoreItem xmlns:ds="http://schemas.openxmlformats.org/officeDocument/2006/customXml" ds:itemID="{AA3F7EDC-E5B4-4BBC-9D2A-CBE6D46C37AD}">
+  <ds:schemaRefs>
+    <ds:schemaRef ds:uri="http://schemas.microsoft.com/sharepoint/v3/contenttype/forms"/>
+  </ds:schemaRefs>
+</ds:datastoreItem>
+</file>
+
+<file path=customXml/itemProps2.xml><?xml version="1.0" encoding="utf-8"?>
 <ds:datastoreItem xmlns:ds="http://schemas.openxmlformats.org/officeDocument/2006/customXml" ds:itemID="{A03EEFF0-FB57-4CB4-8BFC-DF397689E2ED}">
   <ds:schemaRefs>
     <ds:schemaRef ds:uri="http://schemas.microsoft.com/office/2006/metadata/properties"/>
     <ds:schemaRef ds:uri="http://schemas.microsoft.com/office/infopath/2007/PartnerControls"/>
     <ds:schemaRef ds:uri="71af3243-3dd4-4a8d-8c0d-dd76da1f02a5"/>
-  </ds:schemaRefs>
-</ds:datastoreItem>
-</file>
-
-<file path=customXml/itemProps2.xml><?xml version="1.0" encoding="utf-8"?>
-<ds:datastoreItem xmlns:ds="http://schemas.openxmlformats.org/officeDocument/2006/customXml" ds:itemID="{AA3F7EDC-E5B4-4BBC-9D2A-CBE6D46C37AD}">
-  <ds:schemaRefs>
-    <ds:schemaRef ds:uri="http://schemas.microsoft.com/sharepoint/v3/contenttype/forms"/>
   </ds:schemaRefs>
 </ds:datastoreItem>
 </file>
